--- a/argouml/final-presentation.pptx
+++ b/argouml/final-presentation.pptx
@@ -127,7 +127,7 @@
   </p:defaultTextStyle>
   <p:extLst>
     <p:ext uri="{EFAFB233-063F-42B5-8137-9DF3F51BA10A}">
-      <p15:sldGuideLst xmlns:p15="http://schemas.microsoft.com/office/powerpoint/2012/main" xmlns="">
+      <p15:sldGuideLst xmlns="" xmlns:p15="http://schemas.microsoft.com/office/powerpoint/2012/main">
         <p15:guide id="1" orient="horz" pos="2160">
           <p15:clr>
             <a:srgbClr val="A4A3A4"/>
@@ -147,11 +147,7 @@
 <file path=ppt/commentAuthors.xml><?xml version="1.0" encoding="utf-8"?>
 <p:cmAuthorLst xmlns:a="http://schemas.openxmlformats.org/drawingml/2006/main" xmlns:r="http://schemas.openxmlformats.org/officeDocument/2006/relationships" xmlns:p="http://schemas.openxmlformats.org/presentationml/2006/main">
   <p:cmAuthor id="1" name="dsb" initials="dsb" lastIdx="19" clrIdx="0">
-    <p:extLst>
-      <p:ext uri="{19B8F6BF-5375-455C-9EA6-DF929625EA0E}">
-        <p15:presenceInfo xmlns:p15="http://schemas.microsoft.com/office/powerpoint/2012/main" xmlns="" userId="dsb" providerId="None"/>
-      </p:ext>
-    </p:extLst>
+    <p:extLst/>
   </p:cmAuthor>
   <p:cmAuthor id="2" name="labuser" initials="l" lastIdx="0" clrIdx="1"/>
 </p:cmAuthorLst>
@@ -164,7 +160,7 @@
     <p:text>in your notes, be more specific on where you can move artifacts -- how do you compute the set of target classes.</p:text>
     <p:extLst>
       <p:ext uri="{C676402C-5697-4E1C-873F-D02D1690AC5C}">
-        <p15:threadingInfo xmlns:p15="http://schemas.microsoft.com/office/powerpoint/2012/main" xmlns="" timeZoneBias="360"/>
+        <p15:threadingInfo xmlns:p15="http://schemas.microsoft.com/office/powerpoint/2012/main" timeZoneBias="360"/>
       </p:ext>
     </p:extLst>
   </p:cm>
@@ -253,7 +249,7 @@
           <a:p>
             <a:fld id="{D48E8202-D884-4708-857C-356095B26206}" type="datetimeFigureOut">
               <a:rPr lang="en-US" smtClean="0"/>
-              <a:t>12/12/2013</a:t>
+              <a:t>13/12/13</a:t>
             </a:fld>
             <a:endParaRPr lang="en-US"/>
           </a:p>
@@ -418,7 +414,7 @@
           <a:p>
             <a:fld id="{B1BB3D3B-5D24-4754-A4FD-3CFF7F726E7F}" type="datetimeFigureOut">
               <a:rPr lang="en-US" smtClean="0"/>
-              <a:t>12/12/2013</a:t>
+              <a:t>13/12/13</a:t>
             </a:fld>
             <a:endParaRPr lang="en-US"/>
           </a:p>
@@ -1989,23 +1985,7 @@
           <a:p>
             <a:r>
               <a:rPr lang="en-US" baseline="0" dirty="0" smtClean="0"/>
-              <a:t>The serialization </a:t>
-            </a:r>
-            <a:r>
-              <a:rPr lang="en-US" baseline="0" dirty="0" smtClean="0"/>
-              <a:t>code </a:t>
-            </a:r>
-            <a:r>
-              <a:rPr lang="en-US" baseline="0" dirty="0" smtClean="0"/>
-              <a:t>implements </a:t>
-            </a:r>
-            <a:r>
-              <a:rPr lang="en-US" baseline="0" dirty="0" smtClean="0"/>
-              <a:t>M2T transformation (converting XML to Prolog</a:t>
-            </a:r>
-            <a:r>
-              <a:rPr lang="en-US" baseline="0" dirty="0" smtClean="0"/>
-              <a:t>).</a:t>
+              <a:t>The serialization code implements M2T transformation (converting XML to Prolog).</a:t>
             </a:r>
           </a:p>
           <a:p>
@@ -2577,7 +2557,7 @@
           <a:p>
             <a:fld id="{BAB43B8E-BF78-4266-842B-44A55E9C2B88}" type="datetimeFigureOut">
               <a:rPr lang="en-US" smtClean="0"/>
-              <a:t>12/12/2013</a:t>
+              <a:t>13/12/13</a:t>
             </a:fld>
             <a:endParaRPr lang="en-US"/>
           </a:p>
@@ -3110,7 +3090,7 @@
           <a:p>
             <a:fld id="{BAB43B8E-BF78-4266-842B-44A55E9C2B88}" type="datetimeFigureOut">
               <a:rPr lang="en-US" smtClean="0"/>
-              <a:t>12/12/2013</a:t>
+              <a:t>13/12/13</a:t>
             </a:fld>
             <a:endParaRPr lang="en-US"/>
           </a:p>
@@ -3458,7 +3438,7 @@
           <a:p>
             <a:fld id="{BAB43B8E-BF78-4266-842B-44A55E9C2B88}" type="datetimeFigureOut">
               <a:rPr lang="en-US" smtClean="0"/>
-              <a:t>12/12/2013</a:t>
+              <a:t>13/12/13</a:t>
             </a:fld>
             <a:endParaRPr lang="en-US"/>
           </a:p>
@@ -3760,7 +3740,7 @@
           <a:p>
             <a:fld id="{BAB43B8E-BF78-4266-842B-44A55E9C2B88}" type="datetimeFigureOut">
               <a:rPr lang="en-US" smtClean="0"/>
-              <a:t>12/12/2013</a:t>
+              <a:t>13/12/13</a:t>
             </a:fld>
             <a:endParaRPr lang="en-US"/>
           </a:p>
@@ -4312,7 +4292,7 @@
           <a:p>
             <a:fld id="{BAB43B8E-BF78-4266-842B-44A55E9C2B88}" type="datetimeFigureOut">
               <a:rPr lang="en-US" smtClean="0"/>
-              <a:t>12/12/2013</a:t>
+              <a:t>13/12/13</a:t>
             </a:fld>
             <a:endParaRPr lang="en-US"/>
           </a:p>
@@ -4419,7 +4399,7 @@
           <a:p>
             <a:fld id="{BAB43B8E-BF78-4266-842B-44A55E9C2B88}" type="datetimeFigureOut">
               <a:rPr lang="en-US" smtClean="0"/>
-              <a:t>12/12/2013</a:t>
+              <a:t>13/12/13</a:t>
             </a:fld>
             <a:endParaRPr lang="en-US"/>
           </a:p>
@@ -5145,7 +5125,7 @@
           <a:p>
             <a:fld id="{BAB43B8E-BF78-4266-842B-44A55E9C2B88}" type="datetimeFigureOut">
               <a:rPr lang="en-US" smtClean="0"/>
-              <a:t>12/12/2013</a:t>
+              <a:t>13/12/13</a:t>
             </a:fld>
             <a:endParaRPr lang="en-US"/>
           </a:p>
@@ -5413,7 +5393,7 @@
           <a:p>
             <a:fld id="{BAB43B8E-BF78-4266-842B-44A55E9C2B88}" type="datetimeFigureOut">
               <a:rPr lang="en-US" smtClean="0"/>
-              <a:t>12/12/2013</a:t>
+              <a:t>13/12/13</a:t>
             </a:fld>
             <a:endParaRPr lang="en-US"/>
           </a:p>
@@ -5676,7 +5656,7 @@
           <a:p>
             <a:fld id="{BAB43B8E-BF78-4266-842B-44A55E9C2B88}" type="datetimeFigureOut">
               <a:rPr lang="en-US" smtClean="0"/>
-              <a:t>12/12/2013</a:t>
+              <a:t>13/12/13</a:t>
             </a:fld>
             <a:endParaRPr lang="en-US"/>
           </a:p>
@@ -5984,7 +5964,7 @@
           <a:p>
             <a:fld id="{BAB43B8E-BF78-4266-842B-44A55E9C2B88}" type="datetimeFigureOut">
               <a:rPr lang="en-US" smtClean="0"/>
-              <a:t>12/12/2013</a:t>
+              <a:t>13/12/13</a:t>
             </a:fld>
             <a:endParaRPr lang="en-US"/>
           </a:p>
@@ -6045,7 +6025,6 @@
               <a:rPr lang="en-US" dirty="0" smtClean="0"/>
               <a:t> of 14</a:t>
             </a:r>
-            <a:endParaRPr lang="en-US" dirty="0" smtClean="0"/>
           </a:p>
         </p:txBody>
       </p:sp>
@@ -6287,7 +6266,7 @@
           <a:p>
             <a:fld id="{BAB43B8E-BF78-4266-842B-44A55E9C2B88}" type="datetimeFigureOut">
               <a:rPr lang="en-US" smtClean="0"/>
-              <a:t>12/12/2013</a:t>
+              <a:t>13/12/13</a:t>
             </a:fld>
             <a:endParaRPr lang="en-US"/>
           </a:p>
@@ -6563,7 +6542,7 @@
           <a:p>
             <a:fld id="{BAB43B8E-BF78-4266-842B-44A55E9C2B88}" type="datetimeFigureOut">
               <a:rPr lang="en-US" smtClean="0"/>
-              <a:t>12/12/2013</a:t>
+              <a:t>13/12/13</a:t>
             </a:fld>
             <a:endParaRPr lang="en-US"/>
           </a:p>
@@ -7079,11 +7058,7 @@
           <a:p>
             <a:r>
               <a:rPr lang="en-US" dirty="0" smtClean="0"/>
-              <a:t>Refactoring </a:t>
-            </a:r>
-            <a:r>
-              <a:rPr lang="en-US" dirty="0" smtClean="0"/>
-              <a:t>Tools</a:t>
+              <a:t>Refactoring Tools</a:t>
             </a:r>
             <a:endParaRPr lang="en-US" dirty="0"/>
           </a:p>
@@ -7107,20 +7082,8 @@
           <a:lstStyle/>
           <a:p>
             <a:r>
-              <a:rPr lang="en-US" dirty="0" err="1" smtClean="0"/>
-              <a:t>Akanksha</a:t>
-            </a:r>
-            <a:r>
-              <a:rPr lang="en-US" dirty="0" smtClean="0"/>
-              <a:t> </a:t>
-            </a:r>
-            <a:r>
-              <a:rPr lang="en-US" dirty="0" err="1" smtClean="0"/>
-              <a:t>Bansal</a:t>
-            </a:r>
-            <a:r>
-              <a:rPr lang="en-US" dirty="0" smtClean="0"/>
-              <a:t/>
+              <a:rPr lang="en-US" dirty="0" smtClean="0"/>
+              <a:t>Akanksha Bansal</a:t>
             </a:r>
             <a:br>
               <a:rPr lang="en-US" dirty="0" smtClean="0"/>
@@ -7176,7 +7139,7 @@
             </a:br>
             <a:r>
               <a:rPr lang="en-US" dirty="0" err="1" smtClean="0"/>
-              <a:t>Sree</a:t>
+              <a:t>Sreedevi</a:t>
             </a:r>
             <a:r>
               <a:rPr lang="en-US" dirty="0" smtClean="0"/>
@@ -7203,7 +7166,7 @@
   <p:timing>
     <p:tnLst>
       <p:par>
-        <p:cTn id="1" dur="indefinite" restart="never" nodeType="tmRoot"/>
+        <p:cTn xmlns:p14="http://schemas.microsoft.com/office/powerpoint/2010/main" id="1" dur="indefinite" restart="never" nodeType="tmRoot"/>
       </p:par>
     </p:tnLst>
   </p:timing>
@@ -7249,11 +7212,7 @@
           <a:p>
             <a:r>
               <a:rPr lang="en-US" dirty="0" smtClean="0"/>
-              <a:t>Also </a:t>
-            </a:r>
-            <a:r>
-              <a:rPr lang="en-US" dirty="0" smtClean="0"/>
-              <a:t>propagates changed signatures along inheritance hierarchy.</a:t>
+              <a:t>Also propagates changed signatures along inheritance hierarchy.</a:t>
             </a:r>
             <a:endParaRPr lang="en-US" dirty="0"/>
           </a:p>
@@ -8719,10 +8678,6 @@
               </a:rPr>
               <a:t>Seed method</a:t>
             </a:r>
-            <a:endParaRPr lang="en-US" sz="1200" b="1" dirty="0">
-              <a:latin typeface="Consolas" pitchFamily="49" charset="0"/>
-              <a:cs typeface="Consolas" pitchFamily="49" charset="0"/>
-            </a:endParaRPr>
           </a:p>
         </p:txBody>
       </p:sp>
@@ -8739,7 +8694,7 @@
   <p:timing>
     <p:tnLst>
       <p:par>
-        <p:cTn id="1" dur="indefinite" restart="never" nodeType="tmRoot"/>
+        <p:cTn xmlns:p14="http://schemas.microsoft.com/office/powerpoint/2010/main" id="1" dur="indefinite" restart="never" nodeType="tmRoot"/>
       </p:par>
     </p:tnLst>
   </p:timing>
@@ -8780,7 +8735,9 @@
           </a:xfrm>
         </p:spPr>
         <p:txBody>
-          <a:bodyPr/>
+          <a:bodyPr>
+            <a:normAutofit fontScale="92500"/>
+          </a:bodyPr>
           <a:lstStyle/>
           <a:p>
             <a:endParaRPr lang="en-US" dirty="0" smtClean="0"/>
@@ -8788,11 +8745,40 @@
           <a:p>
             <a:r>
               <a:rPr lang="en-US" dirty="0" smtClean="0"/>
-              <a:t>For selected method or attribute (artifact), shows source class and list of target classes to move artifact to.</a:t>
-            </a:r>
-            <a:br>
-              <a:rPr lang="en-US" dirty="0" smtClean="0"/>
-            </a:br>
+              <a:t>For selected method or attribute (artifact), shows source class and list of target classes to move artifact to</a:t>
+            </a:r>
+            <a:r>
+              <a:rPr lang="en-US" dirty="0" smtClean="0"/>
+              <a:t>.</a:t>
+            </a:r>
+          </a:p>
+          <a:p>
+            <a:r>
+              <a:rPr lang="en-US" dirty="0" smtClean="0"/>
+              <a:t>The list of target classes consists of:</a:t>
+            </a:r>
+          </a:p>
+          <a:p>
+            <a:pPr lvl="1"/>
+            <a:r>
+              <a:rPr lang="en-US" dirty="0"/>
+              <a:t>c</a:t>
+            </a:r>
+            <a:r>
+              <a:rPr lang="en-US" dirty="0" smtClean="0"/>
+              <a:t>lasses which have an association with the source class</a:t>
+            </a:r>
+          </a:p>
+          <a:p>
+            <a:pPr lvl="1"/>
+            <a:r>
+              <a:rPr lang="en-US" dirty="0"/>
+              <a:t>c</a:t>
+            </a:r>
+            <a:r>
+              <a:rPr lang="en-US" dirty="0" smtClean="0"/>
+              <a:t>lasses which are referenced as parameters in the method signature (for ‘move methods’)</a:t>
+            </a:r>
             <a:endParaRPr lang="en-US" dirty="0" smtClean="0"/>
           </a:p>
           <a:p>
@@ -8839,7 +8825,7 @@
   <p:timing>
     <p:tnLst>
       <p:par>
-        <p:cTn id="1" dur="indefinite" restart="never" nodeType="tmRoot"/>
+        <p:cTn xmlns:p14="http://schemas.microsoft.com/office/powerpoint/2010/main" id="1" dur="indefinite" restart="never" nodeType="tmRoot"/>
       </p:par>
     </p:tnLst>
   </p:timing>
@@ -8890,15 +8876,7 @@
           <a:p>
             <a:r>
               <a:rPr lang="en-US" dirty="0" smtClean="0"/>
-              <a:t>Finds methods that are common among the selected </a:t>
-            </a:r>
-            <a:r>
-              <a:rPr lang="en-US" dirty="0" smtClean="0"/>
-              <a:t>classes. Given such a seed method, creates </a:t>
-            </a:r>
-            <a:r>
-              <a:rPr lang="en-US" dirty="0" smtClean="0"/>
-              <a:t>a </a:t>
+              <a:t>Finds methods that are common among the selected classes. Given such a seed method, creates a </a:t>
             </a:r>
             <a:r>
               <a:rPr lang="en-US" dirty="0" smtClean="0">
@@ -8996,7 +8974,7 @@
   <p:timing>
     <p:tnLst>
       <p:par>
-        <p:cTn id="1" dur="indefinite" restart="never" nodeType="tmRoot"/>
+        <p:cTn xmlns:p14="http://schemas.microsoft.com/office/powerpoint/2010/main" id="1" dur="indefinite" restart="never" nodeType="tmRoot"/>
       </p:par>
     </p:tnLst>
   </p:timing>
@@ -9071,7 +9049,6 @@
               <a:rPr lang="en-US" dirty="0" smtClean="0"/>
               <a:t>Prolog predicates return a Boolean value (valid / invalid).</a:t>
             </a:r>
-            <a:endParaRPr lang="en-US" dirty="0" smtClean="0"/>
           </a:p>
           <a:p>
             <a:pPr lvl="1"/>
@@ -9153,7 +9130,7 @@
   <p:timing>
     <p:tnLst>
       <p:par>
-        <p:cTn id="1" dur="indefinite" restart="never" nodeType="tmRoot"/>
+        <p:cTn xmlns:p14="http://schemas.microsoft.com/office/powerpoint/2010/main" id="1" dur="indefinite" restart="never" nodeType="tmRoot"/>
       </p:par>
     </p:tnLst>
   </p:timing>
@@ -9201,29 +9178,22 @@
           <a:p>
             <a:r>
               <a:rPr lang="en-US" dirty="0" smtClean="0"/>
-              <a:t>X-axis: Adding class detail using </a:t>
-            </a:r>
-            <a:r>
-              <a:rPr lang="en-US" dirty="0" err="1" smtClean="0"/>
-              <a:t>ArgoUML</a:t>
-            </a:r>
-            <a:r>
-              <a:rPr lang="en-US" dirty="0" smtClean="0"/>
-              <a:t>.</a:t>
-            </a:r>
-          </a:p>
-          <a:p>
-            <a:r>
-              <a:rPr lang="en-US" dirty="0" smtClean="0"/>
-              <a:t>Y-axis: Refactoring classes using our project.</a:t>
-            </a:r>
-          </a:p>
-          <a:p>
-            <a:r>
-              <a:rPr lang="en-US" dirty="0" smtClean="0"/>
-              <a:t>Z-axis: Translation of XML to Prolog.</a:t>
-            </a:r>
-            <a:endParaRPr lang="en-US" dirty="0" smtClean="0"/>
+              <a:t>X-</a:t>
+            </a:r>
+            <a:r>
+              <a:rPr lang="en-US" dirty="0" smtClean="0"/>
+              <a:t>axis: Refactoring classes using our project.</a:t>
+            </a:r>
+          </a:p>
+          <a:p>
+            <a:r>
+              <a:rPr lang="en-US" dirty="0" smtClean="0"/>
+              <a:t>Y-</a:t>
+            </a:r>
+            <a:r>
+              <a:rPr lang="en-US" dirty="0" smtClean="0"/>
+              <a:t>axis: Translation of XML to Prolog.</a:t>
+            </a:r>
           </a:p>
         </p:txBody>
       </p:sp>
@@ -9249,318 +9219,55 @@
           <a:p>
             <a:r>
               <a:rPr lang="en-US" dirty="0" smtClean="0"/>
-              <a:t>3D commuting diagram?</a:t>
+              <a:t>2D </a:t>
+            </a:r>
+            <a:r>
+              <a:rPr lang="en-US" dirty="0" smtClean="0"/>
+              <a:t>commuting diagram?</a:t>
             </a:r>
             <a:endParaRPr lang="en-US" dirty="0"/>
           </a:p>
         </p:txBody>
       </p:sp>
-      <p:grpSp>
-        <p:nvGrpSpPr>
-          <p:cNvPr id="30" name="Group 29"/>
-          <p:cNvGrpSpPr/>
+      <p:sp>
+        <p:nvSpPr>
+          <p:cNvPr id="10" name="Rectangle 9"/>
+          <p:cNvSpPr/>
           <p:nvPr/>
-        </p:nvGrpSpPr>
-        <p:grpSpPr>
+        </p:nvSpPr>
+        <p:spPr>
           <a:xfrm>
-            <a:off x="2734818" y="3810000"/>
-            <a:ext cx="3276600" cy="2743200"/>
-            <a:chOff x="1828800" y="3657600"/>
-            <a:chExt cx="3268218" cy="3048000"/>
+            <a:off x="2743200" y="4267200"/>
+            <a:ext cx="2730500" cy="2043872"/>
           </a:xfrm>
-        </p:grpSpPr>
-        <p:sp>
-          <p:nvSpPr>
-            <p:cNvPr id="10" name="Rectangle 9"/>
-            <p:cNvSpPr/>
-            <p:nvPr/>
-          </p:nvSpPr>
-          <p:spPr>
-            <a:xfrm>
-              <a:off x="1828800" y="4434631"/>
-              <a:ext cx="2723515" cy="2270969"/>
-            </a:xfrm>
-            <a:prstGeom prst="rect">
-              <a:avLst/>
-            </a:prstGeom>
-            <a:noFill/>
-          </p:spPr>
-          <p:style>
-            <a:lnRef idx="2">
-              <a:schemeClr val="dk1"/>
-            </a:lnRef>
-            <a:fillRef idx="1">
-              <a:schemeClr val="lt1"/>
-            </a:fillRef>
-            <a:effectRef idx="0">
-              <a:schemeClr val="dk1"/>
-            </a:effectRef>
-            <a:fontRef idx="minor">
-              <a:schemeClr val="dk1"/>
-            </a:fontRef>
-          </p:style>
-          <p:txBody>
-            <a:bodyPr rtlCol="0" anchor="ctr"/>
-            <a:lstStyle/>
-            <a:p>
-              <a:pPr algn="ctr"/>
-              <a:endParaRPr lang="en-US"/>
-            </a:p>
-          </p:txBody>
-        </p:sp>
-        <p:cxnSp>
-          <p:nvCxnSpPr>
-            <p:cNvPr id="12" name="Straight Connector 11"/>
-            <p:cNvCxnSpPr/>
-            <p:nvPr/>
-          </p:nvCxnSpPr>
-          <p:spPr>
-            <a:xfrm flipV="1">
-              <a:off x="1828800" y="5948610"/>
-              <a:ext cx="544703" cy="756990"/>
-            </a:xfrm>
-            <a:prstGeom prst="line">
-              <a:avLst/>
-            </a:prstGeom>
-            <a:ln>
-              <a:prstDash val="sysDash"/>
-            </a:ln>
-          </p:spPr>
-          <p:style>
-            <a:lnRef idx="2">
-              <a:schemeClr val="dk1"/>
-            </a:lnRef>
-            <a:fillRef idx="0">
-              <a:schemeClr val="dk1"/>
-            </a:fillRef>
-            <a:effectRef idx="1">
-              <a:schemeClr val="dk1"/>
-            </a:effectRef>
-            <a:fontRef idx="minor">
-              <a:schemeClr val="tx1"/>
-            </a:fontRef>
-          </p:style>
-        </p:cxnSp>
-        <p:cxnSp>
-          <p:nvCxnSpPr>
-            <p:cNvPr id="14" name="Straight Connector 13"/>
-            <p:cNvCxnSpPr/>
-            <p:nvPr/>
-          </p:nvCxnSpPr>
-          <p:spPr>
-            <a:xfrm>
-              <a:off x="2373503" y="5948610"/>
-              <a:ext cx="2723515" cy="0"/>
-            </a:xfrm>
-            <a:prstGeom prst="line">
-              <a:avLst/>
-            </a:prstGeom>
-            <a:ln>
-              <a:prstDash val="sysDash"/>
-            </a:ln>
-          </p:spPr>
-          <p:style>
-            <a:lnRef idx="2">
-              <a:schemeClr val="dk1"/>
-            </a:lnRef>
-            <a:fillRef idx="0">
-              <a:schemeClr val="dk1"/>
-            </a:fillRef>
-            <a:effectRef idx="1">
-              <a:schemeClr val="dk1"/>
-            </a:effectRef>
-            <a:fontRef idx="minor">
-              <a:schemeClr val="tx1"/>
-            </a:fontRef>
-          </p:style>
-        </p:cxnSp>
-        <p:cxnSp>
-          <p:nvCxnSpPr>
-            <p:cNvPr id="16" name="Straight Connector 15"/>
-            <p:cNvCxnSpPr/>
-            <p:nvPr/>
-          </p:nvCxnSpPr>
-          <p:spPr>
-            <a:xfrm flipV="1">
-              <a:off x="4552315" y="5928569"/>
-              <a:ext cx="544703" cy="756990"/>
-            </a:xfrm>
-            <a:prstGeom prst="line">
-              <a:avLst/>
-            </a:prstGeom>
-            <a:ln/>
-          </p:spPr>
-          <p:style>
-            <a:lnRef idx="2">
-              <a:schemeClr val="dk1"/>
-            </a:lnRef>
-            <a:fillRef idx="0">
-              <a:schemeClr val="dk1"/>
-            </a:fillRef>
-            <a:effectRef idx="1">
-              <a:schemeClr val="dk1"/>
-            </a:effectRef>
-            <a:fontRef idx="minor">
-              <a:schemeClr val="tx1"/>
-            </a:fontRef>
-          </p:style>
-        </p:cxnSp>
-        <p:cxnSp>
-          <p:nvCxnSpPr>
-            <p:cNvPr id="18" name="Straight Connector 17"/>
-            <p:cNvCxnSpPr/>
-            <p:nvPr/>
-          </p:nvCxnSpPr>
-          <p:spPr>
-            <a:xfrm>
-              <a:off x="5097018" y="3657600"/>
-              <a:ext cx="0" cy="2270969"/>
-            </a:xfrm>
-            <a:prstGeom prst="line">
-              <a:avLst/>
-            </a:prstGeom>
-          </p:spPr>
-          <p:style>
-            <a:lnRef idx="2">
-              <a:schemeClr val="dk1"/>
-            </a:lnRef>
-            <a:fillRef idx="0">
-              <a:schemeClr val="dk1"/>
-            </a:fillRef>
-            <a:effectRef idx="1">
-              <a:schemeClr val="dk1"/>
-            </a:effectRef>
-            <a:fontRef idx="minor">
-              <a:schemeClr val="tx1"/>
-            </a:fontRef>
-          </p:style>
-        </p:cxnSp>
-        <p:cxnSp>
-          <p:nvCxnSpPr>
-            <p:cNvPr id="20" name="Straight Connector 19"/>
-            <p:cNvCxnSpPr/>
-            <p:nvPr/>
-          </p:nvCxnSpPr>
-          <p:spPr>
-            <a:xfrm flipV="1">
-              <a:off x="4552315" y="3657600"/>
-              <a:ext cx="544703" cy="777031"/>
-            </a:xfrm>
-            <a:prstGeom prst="line">
-              <a:avLst/>
-            </a:prstGeom>
-            <a:ln/>
-          </p:spPr>
-          <p:style>
-            <a:lnRef idx="2">
-              <a:schemeClr val="dk1"/>
-            </a:lnRef>
-            <a:fillRef idx="0">
-              <a:schemeClr val="dk1"/>
-            </a:fillRef>
-            <a:effectRef idx="1">
-              <a:schemeClr val="dk1"/>
-            </a:effectRef>
-            <a:fontRef idx="minor">
-              <a:schemeClr val="tx1"/>
-            </a:fontRef>
-          </p:style>
-        </p:cxnSp>
-        <p:cxnSp>
-          <p:nvCxnSpPr>
-            <p:cNvPr id="21" name="Straight Connector 20"/>
-            <p:cNvCxnSpPr/>
-            <p:nvPr/>
-          </p:nvCxnSpPr>
-          <p:spPr>
-            <a:xfrm flipV="1">
-              <a:off x="1828800" y="3677641"/>
-              <a:ext cx="544703" cy="756990"/>
-            </a:xfrm>
-            <a:prstGeom prst="line">
-              <a:avLst/>
-            </a:prstGeom>
-            <a:ln/>
-          </p:spPr>
-          <p:style>
-            <a:lnRef idx="2">
-              <a:schemeClr val="dk1"/>
-            </a:lnRef>
-            <a:fillRef idx="0">
-              <a:schemeClr val="dk1"/>
-            </a:fillRef>
-            <a:effectRef idx="1">
-              <a:schemeClr val="dk1"/>
-            </a:effectRef>
-            <a:fontRef idx="minor">
-              <a:schemeClr val="tx1"/>
-            </a:fontRef>
-          </p:style>
-        </p:cxnSp>
-        <p:cxnSp>
-          <p:nvCxnSpPr>
-            <p:cNvPr id="22" name="Straight Connector 21"/>
-            <p:cNvCxnSpPr/>
-            <p:nvPr/>
-          </p:nvCxnSpPr>
-          <p:spPr>
-            <a:xfrm>
-              <a:off x="2373503" y="3677641"/>
-              <a:ext cx="0" cy="2250928"/>
-            </a:xfrm>
-            <a:prstGeom prst="line">
-              <a:avLst/>
-            </a:prstGeom>
-            <a:ln>
-              <a:prstDash val="sysDash"/>
-            </a:ln>
-          </p:spPr>
-          <p:style>
-            <a:lnRef idx="2">
-              <a:schemeClr val="dk1"/>
-            </a:lnRef>
-            <a:fillRef idx="0">
-              <a:schemeClr val="dk1"/>
-            </a:fillRef>
-            <a:effectRef idx="1">
-              <a:schemeClr val="dk1"/>
-            </a:effectRef>
-            <a:fontRef idx="minor">
-              <a:schemeClr val="tx1"/>
-            </a:fontRef>
-          </p:style>
-        </p:cxnSp>
-        <p:cxnSp>
-          <p:nvCxnSpPr>
-            <p:cNvPr id="23" name="Straight Connector 22"/>
-            <p:cNvCxnSpPr/>
-            <p:nvPr/>
-          </p:nvCxnSpPr>
-          <p:spPr>
-            <a:xfrm>
-              <a:off x="2373503" y="3677641"/>
-              <a:ext cx="2723515" cy="0"/>
-            </a:xfrm>
-            <a:prstGeom prst="line">
-              <a:avLst/>
-            </a:prstGeom>
-          </p:spPr>
-          <p:style>
-            <a:lnRef idx="2">
-              <a:schemeClr val="dk1"/>
-            </a:lnRef>
-            <a:fillRef idx="0">
-              <a:schemeClr val="dk1"/>
-            </a:fillRef>
-            <a:effectRef idx="1">
-              <a:schemeClr val="dk1"/>
-            </a:effectRef>
-            <a:fontRef idx="minor">
-              <a:schemeClr val="tx1"/>
-            </a:fontRef>
-          </p:style>
-        </p:cxnSp>
-      </p:grpSp>
+          <a:prstGeom prst="rect">
+            <a:avLst/>
+          </a:prstGeom>
+          <a:noFill/>
+        </p:spPr>
+        <p:style>
+          <a:lnRef idx="2">
+            <a:schemeClr val="dk1"/>
+          </a:lnRef>
+          <a:fillRef idx="1">
+            <a:schemeClr val="lt1"/>
+          </a:fillRef>
+          <a:effectRef idx="0">
+            <a:schemeClr val="dk1"/>
+          </a:effectRef>
+          <a:fontRef idx="minor">
+            <a:schemeClr val="dk1"/>
+          </a:fontRef>
+        </p:style>
+        <p:txBody>
+          <a:bodyPr rtlCol="0" anchor="ctr"/>
+          <a:lstStyle/>
+          <a:p>
+            <a:pPr algn="ctr"/>
+            <a:endParaRPr lang="en-US"/>
+          </a:p>
+        </p:txBody>
+      </p:sp>
       <p:sp>
         <p:nvSpPr>
           <p:cNvPr id="31" name="TextBox 30"/>
@@ -9569,7 +9276,7 @@
         </p:nvSpPr>
         <p:spPr>
           <a:xfrm>
-            <a:off x="1986534" y="4386217"/>
+            <a:off x="1828800" y="4343400"/>
             <a:ext cx="685800" cy="523220"/>
           </a:xfrm>
           <a:prstGeom prst="rect">
@@ -9611,7 +9318,7 @@
         </p:nvSpPr>
         <p:spPr>
           <a:xfrm>
-            <a:off x="6163818" y="5638800"/>
+            <a:off x="5715000" y="4648200"/>
             <a:ext cx="922782" cy="738664"/>
           </a:xfrm>
           <a:prstGeom prst="rect">
@@ -9653,7 +9360,7 @@
         </p:nvSpPr>
         <p:spPr>
           <a:xfrm>
-            <a:off x="1744218" y="5150724"/>
+            <a:off x="1371600" y="4876800"/>
             <a:ext cx="1066800" cy="276999"/>
           </a:xfrm>
           <a:prstGeom prst="rect">
@@ -9669,7 +9376,7 @@
           <a:p>
             <a:r>
               <a:rPr lang="en-US" sz="1200" dirty="0" smtClean="0"/>
-              <a:t>Z: </a:t>
+              <a:t>Y: </a:t>
             </a:r>
             <a:r>
               <a:rPr lang="en-US" sz="1200" dirty="0" err="1" smtClean="0"/>
@@ -9691,7 +9398,7 @@
         </p:nvCxnSpPr>
         <p:spPr>
           <a:xfrm>
-            <a:off x="2431542" y="5444048"/>
+            <a:off x="2514600" y="4800600"/>
             <a:ext cx="0" cy="610573"/>
           </a:xfrm>
           <a:prstGeom prst="straightConnector1">
@@ -9724,7 +9431,7 @@
         </p:nvSpPr>
         <p:spPr>
           <a:xfrm>
-            <a:off x="3469068" y="4509328"/>
+            <a:off x="3505200" y="3733800"/>
             <a:ext cx="1170750" cy="276999"/>
           </a:xfrm>
           <a:prstGeom prst="rect">
@@ -9743,12 +9450,8 @@
               <a:t>X: </a:t>
             </a:r>
             <a:r>
-              <a:rPr lang="en-US" sz="1200" dirty="0" err="1" smtClean="0"/>
-              <a:t>addClass</a:t>
-            </a:r>
-            <a:r>
               <a:rPr lang="en-US" sz="1200" dirty="0" smtClean="0"/>
-              <a:t>()</a:t>
+              <a:t>refactor()</a:t>
             </a:r>
             <a:endParaRPr lang="en-US" sz="1200" dirty="0"/>
           </a:p>
@@ -9762,7 +9465,7 @@
         </p:nvCxnSpPr>
         <p:spPr>
           <a:xfrm>
-            <a:off x="3420618" y="4835714"/>
+            <a:off x="3429000" y="4114800"/>
             <a:ext cx="1219200" cy="0"/>
           </a:xfrm>
           <a:prstGeom prst="straightConnector1">
@@ -9787,46 +9490,49 @@
           </a:fontRef>
         </p:style>
       </p:cxnSp>
-      <p:sp>
-        <p:nvSpPr>
-          <p:cNvPr id="42" name="TextBox 41"/>
-          <p:cNvSpPr txBox="1"/>
-          <p:nvPr/>
-        </p:nvSpPr>
-        <p:spPr>
-          <a:xfrm>
-            <a:off x="4626800" y="3983976"/>
-            <a:ext cx="1010730" cy="276999"/>
-          </a:xfrm>
-          <a:prstGeom prst="rect">
-            <a:avLst/>
-          </a:prstGeom>
-          <a:noFill/>
-        </p:spPr>
-        <p:txBody>
-          <a:bodyPr wrap="square" rtlCol="0">
-            <a:spAutoFit/>
-          </a:bodyPr>
-          <a:lstStyle/>
-          <a:p>
-            <a:r>
-              <a:rPr lang="en-US" sz="1200" dirty="0" smtClean="0"/>
-              <a:t>Y: refactor()</a:t>
-            </a:r>
-            <a:endParaRPr lang="en-US" sz="1200" dirty="0"/>
-          </a:p>
-        </p:txBody>
-      </p:sp>
       <p:cxnSp>
         <p:nvCxnSpPr>
-          <p:cNvPr id="43" name="Straight Arrow Connector 42"/>
+          <p:cNvPr id="24" name="Straight Arrow Connector 23"/>
           <p:cNvCxnSpPr/>
           <p:nvPr/>
         </p:nvCxnSpPr>
         <p:spPr>
-          <a:xfrm flipV="1">
-            <a:off x="5447030" y="3882665"/>
-            <a:ext cx="381000" cy="479624"/>
+          <a:xfrm>
+            <a:off x="5638800" y="4800600"/>
+            <a:ext cx="0" cy="610573"/>
+          </a:xfrm>
+          <a:prstGeom prst="straightConnector1">
+            <a:avLst/>
+          </a:prstGeom>
+          <a:ln>
+            <a:tailEnd type="arrow"/>
+          </a:ln>
+        </p:spPr>
+        <p:style>
+          <a:lnRef idx="2">
+            <a:schemeClr val="dk1"/>
+          </a:lnRef>
+          <a:fillRef idx="0">
+            <a:schemeClr val="dk1"/>
+          </a:fillRef>
+          <a:effectRef idx="1">
+            <a:schemeClr val="dk1"/>
+          </a:effectRef>
+          <a:fontRef idx="minor">
+            <a:schemeClr val="tx1"/>
+          </a:fontRef>
+        </p:style>
+      </p:cxnSp>
+      <p:cxnSp>
+        <p:nvCxnSpPr>
+          <p:cNvPr id="25" name="Straight Arrow Connector 24"/>
+          <p:cNvCxnSpPr/>
+          <p:nvPr/>
+        </p:nvCxnSpPr>
+        <p:spPr>
+          <a:xfrm>
+            <a:off x="3429000" y="6477000"/>
+            <a:ext cx="1219200" cy="0"/>
           </a:xfrm>
           <a:prstGeom prst="straightConnector1">
             <a:avLst/>
@@ -9863,7 +9569,7 @@
   <p:timing>
     <p:tnLst>
       <p:par>
-        <p:cTn id="1" dur="indefinite" restart="never" nodeType="tmRoot"/>
+        <p:cTn xmlns:p14="http://schemas.microsoft.com/office/powerpoint/2010/main" id="1" dur="indefinite" restart="never" nodeType="tmRoot"/>
       </p:par>
     </p:tnLst>
   </p:timing>
@@ -10049,7 +9755,7 @@
   <p:timing>
     <p:tnLst>
       <p:par>
-        <p:cTn id="1" dur="indefinite" restart="never" nodeType="tmRoot"/>
+        <p:cTn xmlns:p14="http://schemas.microsoft.com/office/powerpoint/2010/main" id="1" dur="indefinite" restart="never" nodeType="tmRoot"/>
       </p:par>
     </p:tnLst>
   </p:timing>
@@ -10177,7 +9883,7 @@
   <p:timing>
     <p:tnLst>
       <p:par>
-        <p:cTn id="1" dur="indefinite" restart="never" nodeType="tmRoot"/>
+        <p:cTn xmlns:p14="http://schemas.microsoft.com/office/powerpoint/2010/main" id="1" dur="indefinite" restart="never" nodeType="tmRoot"/>
       </p:par>
     </p:tnLst>
   </p:timing>
@@ -10339,7 +10045,7 @@
   <p:timing>
     <p:tnLst>
       <p:par>
-        <p:cTn id="1" dur="indefinite" restart="never" nodeType="tmRoot"/>
+        <p:cTn xmlns:p14="http://schemas.microsoft.com/office/powerpoint/2010/main" id="1" dur="indefinite" restart="never" nodeType="tmRoot"/>
       </p:par>
     </p:tnLst>
   </p:timing>
@@ -10397,7 +10103,6 @@
               <a:rPr lang="en-US" dirty="0"/>
               <a:t>Eclipse</a:t>
             </a:r>
-            <a:endParaRPr lang="en-US" dirty="0"/>
           </a:p>
           <a:p>
             <a:pPr lvl="1" fontAlgn="base"/>
@@ -10421,7 +10126,6 @@
               <a:rPr lang="en-US" dirty="0"/>
               <a:t>…</a:t>
             </a:r>
-            <a:endParaRPr lang="en-US" dirty="0"/>
           </a:p>
           <a:p>
             <a:pPr marL="0" indent="0">
@@ -10454,11 +10158,7 @@
             </a:pPr>
             <a:r>
               <a:rPr lang="en-US" dirty="0" smtClean="0"/>
-              <a:t>We </a:t>
-            </a:r>
-            <a:r>
-              <a:rPr lang="en-US" dirty="0" smtClean="0"/>
-              <a:t>valuated </a:t>
+              <a:t>We valuated </a:t>
             </a:r>
             <a:r>
               <a:rPr lang="en-US" dirty="0"/>
@@ -10715,7 +10415,6 @@
               <a:rPr lang="en-US" dirty="0" smtClean="0"/>
               <a:t>:</a:t>
             </a:r>
-            <a:endParaRPr lang="en-US" dirty="0" smtClean="0"/>
           </a:p>
           <a:p>
             <a:pPr lvl="1" fontAlgn="base"/>
@@ -10762,7 +10461,7 @@
   <p:timing>
     <p:tnLst>
       <p:par>
-        <p:cTn id="1" dur="indefinite" restart="never" nodeType="tmRoot"/>
+        <p:cTn xmlns:p14="http://schemas.microsoft.com/office/powerpoint/2010/main" id="1" dur="indefinite" restart="never" nodeType="tmRoot"/>
       </p:par>
     </p:tnLst>
   </p:timing>
@@ -10924,7 +10623,7 @@
   <p:timing>
     <p:tnLst>
       <p:par>
-        <p:cTn id="1" dur="indefinite" restart="never" nodeType="tmRoot"/>
+        <p:cTn xmlns:p14="http://schemas.microsoft.com/office/powerpoint/2010/main" id="1" dur="indefinite" restart="never" nodeType="tmRoot"/>
       </p:par>
     </p:tnLst>
   </p:timing>
@@ -11674,7 +11373,7 @@
   <p:timing>
     <p:tnLst>
       <p:par>
-        <p:cTn id="1" dur="indefinite" restart="never" nodeType="tmRoot"/>
+        <p:cTn xmlns:p14="http://schemas.microsoft.com/office/powerpoint/2010/main" id="1" dur="indefinite" restart="never" nodeType="tmRoot"/>
       </p:par>
     </p:tnLst>
   </p:timing>
@@ -12065,7 +11764,7 @@
   <p:timing>
     <p:tnLst>
       <p:par>
-        <p:cTn id="1" dur="indefinite" restart="never" nodeType="tmRoot"/>
+        <p:cTn xmlns:p14="http://schemas.microsoft.com/office/powerpoint/2010/main" id="1" dur="indefinite" restart="never" nodeType="tmRoot"/>
       </p:par>
     </p:tnLst>
   </p:timing>
@@ -12213,7 +11912,7 @@
   <p:timing>
     <p:tnLst>
       <p:par>
-        <p:cTn id="1" dur="indefinite" restart="never" nodeType="tmRoot"/>
+        <p:cTn xmlns:p14="http://schemas.microsoft.com/office/powerpoint/2010/main" id="1" dur="indefinite" restart="never" nodeType="tmRoot"/>
       </p:par>
     </p:tnLst>
   </p:timing>
@@ -12287,7 +11986,6 @@
               <a:rPr lang="en-US" dirty="0" smtClean="0"/>
               <a:t>Verifies that renaming does not produce duplicate names or invalid references.</a:t>
             </a:r>
-            <a:endParaRPr lang="en-US" dirty="0" smtClean="0"/>
           </a:p>
           <a:p>
             <a:endParaRPr lang="en-US" dirty="0"/>
@@ -12330,7 +12028,7 @@
   <p:timing>
     <p:tnLst>
       <p:par>
-        <p:cTn id="1" dur="indefinite" restart="never" nodeType="tmRoot"/>
+        <p:cTn xmlns:p14="http://schemas.microsoft.com/office/powerpoint/2010/main" id="1" dur="indefinite" restart="never" nodeType="tmRoot"/>
       </p:par>
     </p:tnLst>
   </p:timing>
@@ -12432,7 +12130,7 @@
   <p:timing>
     <p:tnLst>
       <p:par>
-        <p:cTn id="1" dur="indefinite" restart="never" nodeType="tmRoot"/>
+        <p:cTn xmlns:p14="http://schemas.microsoft.com/office/powerpoint/2010/main" id="1" dur="indefinite" restart="never" nodeType="tmRoot"/>
       </p:par>
     </p:tnLst>
   </p:timing>
